--- a/ML.pptx
+++ b/ML.pptx
@@ -9,10 +9,12 @@
     <p:sldId id="275" r:id="rId3"/>
     <p:sldId id="276" r:id="rId4"/>
     <p:sldId id="277" r:id="rId5"/>
-    <p:sldId id="256" r:id="rId6"/>
-    <p:sldId id="258" r:id="rId7"/>
-    <p:sldId id="257" r:id="rId8"/>
-    <p:sldId id="274" r:id="rId9"/>
+    <p:sldId id="281" r:id="rId6"/>
+    <p:sldId id="256" r:id="rId7"/>
+    <p:sldId id="258" r:id="rId8"/>
+    <p:sldId id="282" r:id="rId9"/>
+    <p:sldId id="257" r:id="rId10"/>
+    <p:sldId id="274" r:id="rId11"/>
   </p:sldIdLst>
   <p:sldSz cx="12192000" cy="6858000"/>
   <p:notesSz cx="6858000" cy="9144000"/>
@@ -7506,6 +7508,156 @@
 </p:sld>
 </file>
 
+<file path=ppt/slides/slide10.xml><?xml version="1.0" encoding="utf-8"?>
+<p:sld xmlns:a="http://schemas.openxmlformats.org/drawingml/2006/main" xmlns:r="http://schemas.openxmlformats.org/officeDocument/2006/relationships" xmlns:p="http://schemas.openxmlformats.org/presentationml/2006/main">
+  <p:cSld>
+    <p:spTree>
+      <p:nvGrpSpPr>
+        <p:cNvPr id="1" name=""/>
+        <p:cNvGrpSpPr/>
+        <p:nvPr/>
+      </p:nvGrpSpPr>
+      <p:grpSpPr>
+        <a:xfrm>
+          <a:off x="0" y="0"/>
+          <a:ext cx="0" cy="0"/>
+          <a:chOff x="0" y="0"/>
+          <a:chExt cx="0" cy="0"/>
+        </a:xfrm>
+      </p:grpSpPr>
+      <p:sp>
+        <p:nvSpPr>
+          <p:cNvPr id="2" name="標題 1">
+            <a:extLst>
+              <a:ext uri="{FF2B5EF4-FFF2-40B4-BE49-F238E27FC236}">
+                <a16:creationId xmlns:a16="http://schemas.microsoft.com/office/drawing/2014/main" id="{E9B7ADE2-4C46-4D79-B28A-507BD8FA96AE}"/>
+              </a:ext>
+            </a:extLst>
+          </p:cNvPr>
+          <p:cNvSpPr>
+            <a:spLocks noGrp="1"/>
+          </p:cNvSpPr>
+          <p:nvPr>
+            <p:ph type="title"/>
+          </p:nvPr>
+        </p:nvSpPr>
+        <p:spPr>
+          <a:xfrm>
+            <a:off x="1079859" y="579552"/>
+            <a:ext cx="11029616" cy="1188720"/>
+          </a:xfrm>
+        </p:spPr>
+        <p:txBody>
+          <a:bodyPr/>
+          <a:lstStyle/>
+          <a:p>
+            <a:r>
+              <a:rPr lang="en-US" altLang="zh-TW" dirty="0"/>
+              <a:t>Problem encountered</a:t>
+            </a:r>
+            <a:endParaRPr lang="zh-TW" altLang="en-US" dirty="0"/>
+          </a:p>
+        </p:txBody>
+      </p:sp>
+      <p:sp>
+        <p:nvSpPr>
+          <p:cNvPr id="4" name="內容版面配置區 3">
+            <a:extLst>
+              <a:ext uri="{FF2B5EF4-FFF2-40B4-BE49-F238E27FC236}">
+                <a16:creationId xmlns:a16="http://schemas.microsoft.com/office/drawing/2014/main" id="{315CB6C5-D068-48BF-AD0B-FF5134A05B6D}"/>
+              </a:ext>
+            </a:extLst>
+          </p:cNvPr>
+          <p:cNvSpPr>
+            <a:spLocks noGrp="1"/>
+          </p:cNvSpPr>
+          <p:nvPr>
+            <p:ph idx="1"/>
+          </p:nvPr>
+        </p:nvSpPr>
+        <p:spPr/>
+        <p:txBody>
+          <a:bodyPr>
+            <a:normAutofit/>
+          </a:bodyPr>
+          <a:lstStyle/>
+          <a:p>
+            <a:r>
+              <a:rPr lang="en-US" altLang="zh-TW" sz="2800" dirty="0"/>
+              <a:t>Run for too much time </a:t>
+            </a:r>
+            <a:r>
+              <a:rPr lang="en-US" altLang="zh-TW" sz="2800" dirty="0">
+                <a:sym typeface="Wingdings" panose="05000000000000000000" pitchFamily="2" charset="2"/>
+              </a:rPr>
+              <a:t> .</a:t>
+            </a:r>
+            <a:r>
+              <a:rPr lang="en-US" altLang="zh-TW" sz="2800" dirty="0" err="1">
+                <a:sym typeface="Wingdings" panose="05000000000000000000" pitchFamily="2" charset="2"/>
+              </a:rPr>
+              <a:t>ipynb</a:t>
+            </a:r>
+            <a:endParaRPr lang="en-US" altLang="zh-TW" sz="2800" dirty="0">
+              <a:sym typeface="Wingdings" panose="05000000000000000000" pitchFamily="2" charset="2"/>
+            </a:endParaRPr>
+          </a:p>
+          <a:p>
+            <a:r>
+              <a:rPr lang="en-US" altLang="zh-TW" sz="2800" dirty="0">
+                <a:sym typeface="Wingdings" panose="05000000000000000000" pitchFamily="2" charset="2"/>
+              </a:rPr>
+              <a:t>Still run for too much time  don’t start from 1 and done at 784</a:t>
+            </a:r>
+          </a:p>
+          <a:p>
+            <a:r>
+              <a:rPr lang="en-US" altLang="zh-TW" sz="2800" dirty="0">
+                <a:sym typeface="Wingdings" panose="05000000000000000000" pitchFamily="2" charset="2"/>
+              </a:rPr>
+              <a:t>It still runs for too much time  do SCLD</a:t>
+            </a:r>
+            <a:r>
+              <a:rPr lang="zh-TW" altLang="en-US" sz="2800" dirty="0">
+                <a:sym typeface="Wingdings" panose="05000000000000000000" pitchFamily="2" charset="2"/>
+              </a:rPr>
+              <a:t> </a:t>
+            </a:r>
+            <a:r>
+              <a:rPr lang="en-US" altLang="zh-TW" sz="2800" dirty="0">
+                <a:sym typeface="Wingdings" panose="05000000000000000000" pitchFamily="2" charset="2"/>
+              </a:rPr>
+              <a:t>lab at the same time</a:t>
+            </a:r>
+            <a:endParaRPr lang="zh-TW" altLang="en-US" sz="2800" dirty="0"/>
+          </a:p>
+        </p:txBody>
+      </p:sp>
+    </p:spTree>
+    <p:extLst>
+      <p:ext uri="{BB962C8B-B14F-4D97-AF65-F5344CB8AC3E}">
+        <p14:creationId xmlns:p14="http://schemas.microsoft.com/office/powerpoint/2010/main" val="21657541"/>
+      </p:ext>
+    </p:extLst>
+  </p:cSld>
+  <p:clrMapOvr>
+    <a:masterClrMapping/>
+  </p:clrMapOvr>
+  <mc:AlternateContent xmlns:mc="http://schemas.openxmlformats.org/markup-compatibility/2006" xmlns:p14="http://schemas.microsoft.com/office/powerpoint/2010/main">
+    <mc:Choice Requires="p14">
+      <p:transition spd="slow" p14:dur="1300">
+        <p14:pan dir="u"/>
+      </p:transition>
+    </mc:Choice>
+    <mc:Fallback xmlns="">
+      <p:transition spd="slow">
+        <p:fade/>
+      </p:transition>
+    </mc:Fallback>
+  </mc:AlternateContent>
+</p:sld>
+</file>
+
 <file path=ppt/slides/slide2.xml><?xml version="1.0" encoding="utf-8"?>
 <p:sld xmlns:a="http://schemas.openxmlformats.org/drawingml/2006/main" xmlns:r="http://schemas.openxmlformats.org/officeDocument/2006/relationships" xmlns:p="http://schemas.openxmlformats.org/presentationml/2006/main">
   <p:cSld>
@@ -7973,6 +8125,128 @@
       </p:grpSpPr>
       <p:sp>
         <p:nvSpPr>
+          <p:cNvPr id="2" name="標題 1">
+            <a:extLst>
+              <a:ext uri="{FF2B5EF4-FFF2-40B4-BE49-F238E27FC236}">
+                <a16:creationId xmlns:a16="http://schemas.microsoft.com/office/drawing/2014/main" id="{B2BEECF8-2E88-4360-B8CD-266246266E97}"/>
+              </a:ext>
+            </a:extLst>
+          </p:cNvPr>
+          <p:cNvSpPr>
+            <a:spLocks noGrp="1"/>
+          </p:cNvSpPr>
+          <p:nvPr>
+            <p:ph type="title"/>
+          </p:nvPr>
+        </p:nvSpPr>
+        <p:spPr/>
+        <p:txBody>
+          <a:bodyPr/>
+          <a:lstStyle/>
+          <a:p>
+            <a:endParaRPr lang="zh-TW" altLang="en-US"/>
+          </a:p>
+        </p:txBody>
+      </p:sp>
+      <p:sp>
+        <p:nvSpPr>
+          <p:cNvPr id="3" name="內容版面配置區 2">
+            <a:extLst>
+              <a:ext uri="{FF2B5EF4-FFF2-40B4-BE49-F238E27FC236}">
+                <a16:creationId xmlns:a16="http://schemas.microsoft.com/office/drawing/2014/main" id="{F129A757-F02C-4276-90E0-CCF6401B4AA4}"/>
+              </a:ext>
+            </a:extLst>
+          </p:cNvPr>
+          <p:cNvSpPr>
+            <a:spLocks noGrp="1"/>
+          </p:cNvSpPr>
+          <p:nvPr>
+            <p:ph idx="1"/>
+          </p:nvPr>
+        </p:nvSpPr>
+        <p:spPr/>
+        <p:txBody>
+          <a:bodyPr/>
+          <a:lstStyle/>
+          <a:p>
+            <a:endParaRPr lang="zh-TW" altLang="en-US"/>
+          </a:p>
+        </p:txBody>
+      </p:sp>
+      <p:pic>
+        <p:nvPicPr>
+          <p:cNvPr id="4" name="圖片 3">
+            <a:extLst>
+              <a:ext uri="{FF2B5EF4-FFF2-40B4-BE49-F238E27FC236}">
+                <a16:creationId xmlns:a16="http://schemas.microsoft.com/office/drawing/2014/main" id="{EA957244-8017-4575-92E8-BBF80871DBB6}"/>
+              </a:ext>
+            </a:extLst>
+          </p:cNvPr>
+          <p:cNvPicPr>
+            <a:picLocks noChangeAspect="1"/>
+          </p:cNvPicPr>
+          <p:nvPr/>
+        </p:nvPicPr>
+        <p:blipFill>
+          <a:blip r:embed="rId2"/>
+          <a:stretch>
+            <a:fillRect/>
+          </a:stretch>
+        </p:blipFill>
+        <p:spPr>
+          <a:xfrm>
+            <a:off x="0" y="0"/>
+            <a:ext cx="12192000" cy="6858000"/>
+          </a:xfrm>
+          <a:prstGeom prst="rect">
+            <a:avLst/>
+          </a:prstGeom>
+        </p:spPr>
+      </p:pic>
+    </p:spTree>
+    <p:extLst>
+      <p:ext uri="{BB962C8B-B14F-4D97-AF65-F5344CB8AC3E}">
+        <p14:creationId xmlns:p14="http://schemas.microsoft.com/office/powerpoint/2010/main" val="3884725344"/>
+      </p:ext>
+    </p:extLst>
+  </p:cSld>
+  <p:clrMapOvr>
+    <a:masterClrMapping/>
+  </p:clrMapOvr>
+  <mc:AlternateContent xmlns:mc="http://schemas.openxmlformats.org/markup-compatibility/2006" xmlns:p14="http://schemas.microsoft.com/office/powerpoint/2010/main">
+    <mc:Choice Requires="p14">
+      <p:transition spd="slow" p14:dur="1300">
+        <p14:pan dir="u"/>
+      </p:transition>
+    </mc:Choice>
+    <mc:Fallback xmlns="">
+      <p:transition spd="slow">
+        <p:fade/>
+      </p:transition>
+    </mc:Fallback>
+  </mc:AlternateContent>
+</p:sld>
+</file>
+
+<file path=ppt/slides/slide6.xml><?xml version="1.0" encoding="utf-8"?>
+<p:sld xmlns:a="http://schemas.openxmlformats.org/drawingml/2006/main" xmlns:r="http://schemas.openxmlformats.org/officeDocument/2006/relationships" xmlns:p="http://schemas.openxmlformats.org/presentationml/2006/main">
+  <p:cSld>
+    <p:spTree>
+      <p:nvGrpSpPr>
+        <p:cNvPr id="1" name=""/>
+        <p:cNvGrpSpPr/>
+        <p:nvPr/>
+      </p:nvGrpSpPr>
+      <p:grpSpPr>
+        <a:xfrm>
+          <a:off x="0" y="0"/>
+          <a:ext cx="0" cy="0"/>
+          <a:chOff x="0" y="0"/>
+          <a:chExt cx="0" cy="0"/>
+        </a:xfrm>
+      </p:grpSpPr>
+      <p:sp>
+        <p:nvSpPr>
           <p:cNvPr id="5" name="文字方塊 4">
             <a:extLst>
               <a:ext uri="{FF2B5EF4-FFF2-40B4-BE49-F238E27FC236}">
@@ -8031,7 +8305,7 @@
           <a:p>
             <a:r>
               <a:rPr lang="en-US" altLang="zh-TW" dirty="0"/>
-              <a:t>    pic[n]=0</a:t>
+              <a:t>    pic[n]=0	#blackspot</a:t>
             </a:r>
           </a:p>
           <a:p>
@@ -8075,8 +8349,8 @@
         </p:nvSpPr>
         <p:spPr>
           <a:xfrm>
-            <a:off x="2973427" y="1815080"/>
-            <a:ext cx="6593840" cy="1200329"/>
+            <a:off x="2973426" y="1815080"/>
+            <a:ext cx="7103827" cy="1200329"/>
           </a:xfrm>
           <a:prstGeom prst="rect">
             <a:avLst/>
@@ -8129,7 +8403,7 @@
             </a:r>
             <a:r>
               <a:rPr lang="en-US" altLang="zh-TW" dirty="0"/>
-              <a:t>(500,1500)*pic[n]/1000)</a:t>
+              <a:t>(500,1500)*pic[n]/1000)		#color change</a:t>
             </a:r>
           </a:p>
           <a:p>
@@ -8174,7 +8448,7 @@
         <p:spPr>
           <a:xfrm>
             <a:off x="2991180" y="3326132"/>
-            <a:ext cx="6979920" cy="2585323"/>
+            <a:ext cx="6979920" cy="2862322"/>
           </a:xfrm>
           <a:prstGeom prst="rect">
             <a:avLst/>
@@ -8213,6 +8487,14 @@
               <a:rPr lang="zh-TW" altLang="en-US" dirty="0"/>
               <a:t>    cross=[n+1,n-1,n+28,n-28,n+29,n-29,n+27,n-27,n+2,n-2,n+56,n-56]</a:t>
             </a:r>
+            <a:endParaRPr lang="en-US" altLang="zh-TW" dirty="0"/>
+          </a:p>
+          <a:p>
+            <a:r>
+              <a:rPr lang="en-US" altLang="zh-TW" dirty="0"/>
+              <a:t>#big black spot</a:t>
+            </a:r>
+            <a:endParaRPr lang="zh-TW" altLang="en-US" dirty="0"/>
           </a:p>
           <a:p>
             <a:r>
@@ -8283,7 +8565,7 @@
 </p:sld>
 </file>
 
-<file path=ppt/slides/slide6.xml><?xml version="1.0" encoding="utf-8"?>
+<file path=ppt/slides/slide7.xml><?xml version="1.0" encoding="utf-8"?>
 <p:sld xmlns:a="http://schemas.openxmlformats.org/drawingml/2006/main" xmlns:r="http://schemas.openxmlformats.org/officeDocument/2006/relationships" xmlns:p="http://schemas.openxmlformats.org/presentationml/2006/main">
   <p:cSld>
     <p:spTree>
@@ -8403,7 +8685,83 @@
 </p:sld>
 </file>
 
-<file path=ppt/slides/slide7.xml><?xml version="1.0" encoding="utf-8"?>
+<file path=ppt/slides/slide8.xml><?xml version="1.0" encoding="utf-8"?>
+<p:sld xmlns:a="http://schemas.openxmlformats.org/drawingml/2006/main" xmlns:r="http://schemas.openxmlformats.org/officeDocument/2006/relationships" xmlns:p="http://schemas.openxmlformats.org/presentationml/2006/main">
+  <p:cSld>
+    <p:spTree>
+      <p:nvGrpSpPr>
+        <p:cNvPr id="1" name=""/>
+        <p:cNvGrpSpPr/>
+        <p:nvPr/>
+      </p:nvGrpSpPr>
+      <p:grpSpPr>
+        <a:xfrm>
+          <a:off x="0" y="0"/>
+          <a:ext cx="0" cy="0"/>
+          <a:chOff x="0" y="0"/>
+          <a:chExt cx="0" cy="0"/>
+        </a:xfrm>
+      </p:grpSpPr>
+      <p:sp>
+        <p:nvSpPr>
+          <p:cNvPr id="2" name="標題 1">
+            <a:extLst>
+              <a:ext uri="{FF2B5EF4-FFF2-40B4-BE49-F238E27FC236}">
+                <a16:creationId xmlns:a16="http://schemas.microsoft.com/office/drawing/2014/main" id="{B46AF26A-3DD5-46FD-99A5-80763ACFEFC0}"/>
+              </a:ext>
+            </a:extLst>
+          </p:cNvPr>
+          <p:cNvSpPr>
+            <a:spLocks noGrp="1"/>
+          </p:cNvSpPr>
+          <p:nvPr>
+            <p:ph type="title"/>
+          </p:nvPr>
+        </p:nvSpPr>
+        <p:spPr>
+          <a:xfrm>
+            <a:off x="1006839" y="3002941"/>
+            <a:ext cx="10178322" cy="852118"/>
+          </a:xfrm>
+        </p:spPr>
+        <p:txBody>
+          <a:bodyPr/>
+          <a:lstStyle/>
+          <a:p>
+            <a:r>
+              <a:rPr lang="en-US" altLang="zh-TW" dirty="0"/>
+              <a:t>These are all useless!!!!!!!!!!!!!!!!!!</a:t>
+            </a:r>
+            <a:endParaRPr lang="zh-TW" altLang="en-US" dirty="0"/>
+          </a:p>
+        </p:txBody>
+      </p:sp>
+    </p:spTree>
+    <p:extLst>
+      <p:ext uri="{BB962C8B-B14F-4D97-AF65-F5344CB8AC3E}">
+        <p14:creationId xmlns:p14="http://schemas.microsoft.com/office/powerpoint/2010/main" val="2339481291"/>
+      </p:ext>
+    </p:extLst>
+  </p:cSld>
+  <p:clrMapOvr>
+    <a:masterClrMapping/>
+  </p:clrMapOvr>
+  <mc:AlternateContent xmlns:mc="http://schemas.openxmlformats.org/markup-compatibility/2006" xmlns:p14="http://schemas.microsoft.com/office/powerpoint/2010/main">
+    <mc:Choice Requires="p14">
+      <p:transition spd="slow" p14:dur="1300">
+        <p14:pan dir="u"/>
+      </p:transition>
+    </mc:Choice>
+    <mc:Fallback xmlns="">
+      <p:transition spd="slow">
+        <p:fade/>
+      </p:transition>
+    </mc:Fallback>
+  </mc:AlternateContent>
+</p:sld>
+</file>
+
+<file path=ppt/slides/slide9.xml><?xml version="1.0" encoding="utf-8"?>
 <p:sld xmlns:a="http://schemas.openxmlformats.org/drawingml/2006/main" xmlns:r="http://schemas.openxmlformats.org/officeDocument/2006/relationships" xmlns:p="http://schemas.openxmlformats.org/presentationml/2006/main">
   <p:cSld>
     <p:spTree>
@@ -8625,107 +8983,6 @@
     <p:extLst>
       <p:ext uri="{BB962C8B-B14F-4D97-AF65-F5344CB8AC3E}">
         <p14:creationId xmlns:p14="http://schemas.microsoft.com/office/powerpoint/2010/main" val="1010412869"/>
-      </p:ext>
-    </p:extLst>
-  </p:cSld>
-  <p:clrMapOvr>
-    <a:masterClrMapping/>
-  </p:clrMapOvr>
-  <mc:AlternateContent xmlns:mc="http://schemas.openxmlformats.org/markup-compatibility/2006" xmlns:p14="http://schemas.microsoft.com/office/powerpoint/2010/main">
-    <mc:Choice Requires="p14">
-      <p:transition spd="slow" p14:dur="1300">
-        <p14:pan dir="u"/>
-      </p:transition>
-    </mc:Choice>
-    <mc:Fallback xmlns="">
-      <p:transition spd="slow">
-        <p:fade/>
-      </p:transition>
-    </mc:Fallback>
-  </mc:AlternateContent>
-</p:sld>
-</file>
-
-<file path=ppt/slides/slide8.xml><?xml version="1.0" encoding="utf-8"?>
-<p:sld xmlns:a="http://schemas.openxmlformats.org/drawingml/2006/main" xmlns:r="http://schemas.openxmlformats.org/officeDocument/2006/relationships" xmlns:p="http://schemas.openxmlformats.org/presentationml/2006/main">
-  <p:cSld>
-    <p:spTree>
-      <p:nvGrpSpPr>
-        <p:cNvPr id="1" name=""/>
-        <p:cNvGrpSpPr/>
-        <p:nvPr/>
-      </p:nvGrpSpPr>
-      <p:grpSpPr>
-        <a:xfrm>
-          <a:off x="0" y="0"/>
-          <a:ext cx="0" cy="0"/>
-          <a:chOff x="0" y="0"/>
-          <a:chExt cx="0" cy="0"/>
-        </a:xfrm>
-      </p:grpSpPr>
-      <p:sp>
-        <p:nvSpPr>
-          <p:cNvPr id="2" name="標題 1">
-            <a:extLst>
-              <a:ext uri="{FF2B5EF4-FFF2-40B4-BE49-F238E27FC236}">
-                <a16:creationId xmlns:a16="http://schemas.microsoft.com/office/drawing/2014/main" id="{E9B7ADE2-4C46-4D79-B28A-507BD8FA96AE}"/>
-              </a:ext>
-            </a:extLst>
-          </p:cNvPr>
-          <p:cNvSpPr>
-            <a:spLocks noGrp="1"/>
-          </p:cNvSpPr>
-          <p:nvPr>
-            <p:ph type="title"/>
-          </p:nvPr>
-        </p:nvSpPr>
-        <p:spPr>
-          <a:xfrm>
-            <a:off x="1079859" y="579552"/>
-            <a:ext cx="11029616" cy="1188720"/>
-          </a:xfrm>
-        </p:spPr>
-        <p:txBody>
-          <a:bodyPr/>
-          <a:lstStyle/>
-          <a:p>
-            <a:r>
-              <a:rPr lang="en-US" altLang="zh-TW" dirty="0"/>
-              <a:t>Problem encountered</a:t>
-            </a:r>
-            <a:endParaRPr lang="zh-TW" altLang="en-US" dirty="0"/>
-          </a:p>
-        </p:txBody>
-      </p:sp>
-      <p:sp>
-        <p:nvSpPr>
-          <p:cNvPr id="4" name="內容版面配置區 3">
-            <a:extLst>
-              <a:ext uri="{FF2B5EF4-FFF2-40B4-BE49-F238E27FC236}">
-                <a16:creationId xmlns:a16="http://schemas.microsoft.com/office/drawing/2014/main" id="{315CB6C5-D068-48BF-AD0B-FF5134A05B6D}"/>
-              </a:ext>
-            </a:extLst>
-          </p:cNvPr>
-          <p:cNvSpPr>
-            <a:spLocks noGrp="1"/>
-          </p:cNvSpPr>
-          <p:nvPr>
-            <p:ph idx="1"/>
-          </p:nvPr>
-        </p:nvSpPr>
-        <p:spPr/>
-        <p:txBody>
-          <a:bodyPr/>
-          <a:lstStyle/>
-          <a:p>
-            <a:endParaRPr lang="zh-TW" altLang="en-US" dirty="0"/>
-          </a:p>
-        </p:txBody>
-      </p:sp>
-    </p:spTree>
-    <p:extLst>
-      <p:ext uri="{BB962C8B-B14F-4D97-AF65-F5344CB8AC3E}">
-        <p14:creationId xmlns:p14="http://schemas.microsoft.com/office/powerpoint/2010/main" val="21657541"/>
       </p:ext>
     </p:extLst>
   </p:cSld>
